--- a/THSL ALPHA 1.0/present-to-mor.pptx
+++ b/THSL ALPHA 1.0/present-to-mor.pptx
@@ -3818,7 +3818,7 @@
         <p:spPr>
           <a:xfrm>
             <a:off x="1247775" y="1081087"/>
-            <a:ext cx="6686550" cy="523220"/>
+            <a:ext cx="6686550" cy="3369384"/>
           </a:xfrm>
           <a:prstGeom prst="rect">
             <a:avLst/>
@@ -3832,22 +3832,114 @@
           <a:lstStyle/>
           <a:p>
             <a:pPr marL="285750" indent="-285750">
+              <a:lnSpc>
+                <a:spcPct val="150000"/>
+              </a:lnSpc>
               <a:buFont typeface="Arial" panose="020B0604020202020204" pitchFamily="34" charset="0"/>
               <a:buChar char="•"/>
             </a:pPr>
             <a:r>
-              <a:rPr lang="en-US" dirty="0"/>
+              <a:rPr lang="en-US" sz="1800" dirty="0">
+                <a:latin typeface="Roboto Slab" panose="020B0604020202020204" charset="0"/>
+                <a:ea typeface="Roboto Slab" panose="020B0604020202020204" charset="0"/>
+              </a:rPr>
               <a:t>Use a neural network model to improve accuracy</a:t>
             </a:r>
           </a:p>
           <a:p>
             <a:pPr marL="285750" indent="-285750">
+              <a:lnSpc>
+                <a:spcPct val="150000"/>
+              </a:lnSpc>
               <a:buFont typeface="Arial" panose="020B0604020202020204" pitchFamily="34" charset="0"/>
               <a:buChar char="•"/>
             </a:pPr>
             <a:r>
-              <a:rPr lang="en-US" dirty="0"/>
-              <a:t>Increase dataset</a:t>
+              <a:rPr lang="en-US" sz="1800" dirty="0">
+                <a:latin typeface="Roboto Slab" panose="020B0604020202020204" charset="0"/>
+                <a:ea typeface="Roboto Slab" panose="020B0604020202020204" charset="0"/>
+              </a:rPr>
+              <a:t>GUI for training should be separate from recognizing</a:t>
+            </a:r>
+          </a:p>
+          <a:p>
+            <a:pPr marL="285750" indent="-285750">
+              <a:lnSpc>
+                <a:spcPct val="150000"/>
+              </a:lnSpc>
+              <a:buFont typeface="Arial" panose="020B0604020202020204" pitchFamily="34" charset="0"/>
+              <a:buChar char="•"/>
+            </a:pPr>
+            <a:r>
+              <a:rPr lang="en-US" sz="1800" dirty="0">
+                <a:latin typeface="Roboto Slab" panose="020B0604020202020204" charset="0"/>
+                <a:ea typeface="Roboto Slab" panose="020B0604020202020204" charset="0"/>
+              </a:rPr>
+              <a:t>Camera window should be bigger for user experience</a:t>
+            </a:r>
+          </a:p>
+          <a:p>
+            <a:pPr marL="285750" indent="-285750">
+              <a:lnSpc>
+                <a:spcPct val="150000"/>
+              </a:lnSpc>
+              <a:buFont typeface="Arial" panose="020B0604020202020204" pitchFamily="34" charset="0"/>
+              <a:buChar char="•"/>
+            </a:pPr>
+            <a:r>
+              <a:rPr lang="en-US" sz="1800" dirty="0">
+                <a:latin typeface="Roboto Slab" panose="020B0604020202020204" charset="0"/>
+                <a:ea typeface="Roboto Slab" panose="020B0604020202020204" charset="0"/>
+              </a:rPr>
+              <a:t>Should show current predictions confidence</a:t>
+            </a:r>
+          </a:p>
+          <a:p>
+            <a:pPr marL="285750" indent="-285750">
+              <a:lnSpc>
+                <a:spcPct val="150000"/>
+              </a:lnSpc>
+              <a:buFont typeface="Arial" panose="020B0604020202020204" pitchFamily="34" charset="0"/>
+              <a:buChar char="•"/>
+            </a:pPr>
+            <a:r>
+              <a:rPr lang="en-US" sz="1800" dirty="0">
+                <a:latin typeface="Roboto Slab" panose="020B0604020202020204" charset="0"/>
+                <a:ea typeface="Roboto Slab" panose="020B0604020202020204" charset="0"/>
+              </a:rPr>
+              <a:t>Training should have a window that displays trained images</a:t>
+            </a:r>
+          </a:p>
+          <a:p>
+            <a:pPr marL="285750" indent="-285750">
+              <a:lnSpc>
+                <a:spcPct val="150000"/>
+              </a:lnSpc>
+              <a:buFont typeface="Arial" panose="020B0604020202020204" pitchFamily="34" charset="0"/>
+              <a:buChar char="•"/>
+            </a:pPr>
+            <a:r>
+              <a:rPr lang="en-US" sz="1800" dirty="0">
+                <a:latin typeface="Roboto Slab" panose="020B0604020202020204" charset="0"/>
+                <a:ea typeface="Roboto Slab" panose="020B0604020202020204" charset="0"/>
+              </a:rPr>
+              <a:t>Train the model offline then load the model to predict </a:t>
+            </a:r>
+          </a:p>
+          <a:p>
+            <a:pPr marL="285750" indent="-285750">
+              <a:lnSpc>
+                <a:spcPct val="150000"/>
+              </a:lnSpc>
+              <a:buFont typeface="Arial" panose="020B0604020202020204" pitchFamily="34" charset="0"/>
+              <a:buChar char="•"/>
+            </a:pPr>
+            <a:r>
+              <a:rPr lang="en-US" sz="1800" dirty="0">
+                <a:latin typeface="Roboto Slab" panose="020B0604020202020204" charset="0"/>
+                <a:ea typeface="Roboto Slab" panose="020B0604020202020204" charset="0"/>
+              </a:rPr>
+              <a:t>Increase the size of dataset</a:t>
             </a:r>
           </a:p>
         </p:txBody>
@@ -3884,109 +3976,6 @@
       </p:grpSpPr>
       <p:sp>
         <p:nvSpPr>
-          <p:cNvPr id="3" name="ชื่อเรื่อง 2">
-            <a:extLst>
-              <a:ext uri="{FF2B5EF4-FFF2-40B4-BE49-F238E27FC236}">
-                <a16:creationId xmlns:a16="http://schemas.microsoft.com/office/drawing/2014/main" id="{2DBBAD56-4C34-0F46-86E2-D5954F7D3E78}"/>
-              </a:ext>
-            </a:extLst>
-          </p:cNvPr>
-          <p:cNvSpPr>
-            <a:spLocks noGrp="1"/>
-          </p:cNvSpPr>
-          <p:nvPr>
-            <p:ph type="ctrTitle"/>
-          </p:nvPr>
-        </p:nvSpPr>
-        <p:spPr>
-          <a:xfrm>
-            <a:off x="614362" y="1184276"/>
-            <a:ext cx="8255000" cy="3762374"/>
-          </a:xfrm>
-        </p:spPr>
-        <p:txBody>
-          <a:bodyPr/>
-          <a:lstStyle/>
-          <a:p>
-            <a:r>
-              <a:rPr lang="en-US" sz="1700" dirty="0" err="1"/>
-              <a:t>kapook.com</a:t>
-            </a:r>
-            <a:r>
-              <a:rPr lang="en-US" sz="1700" dirty="0"/>
-              <a:t>. (2019). </a:t>
-            </a:r>
-            <a:r>
-              <a:rPr lang="th-TH" sz="1700" dirty="0"/>
-              <a:t>ภาษามือเบื้องต้น 20 ท่า สำหรับใช้ในชีวิตประจำวัน. 	</a:t>
-            </a:r>
-            <a:br>
-              <a:rPr lang="en-US" sz="1700" dirty="0"/>
-            </a:br>
-            <a:r>
-              <a:rPr lang="en-US" sz="1700" dirty="0"/>
-              <a:t>  Retrieved from https://</a:t>
-            </a:r>
-            <a:r>
-              <a:rPr lang="en-US" sz="1700" dirty="0" err="1"/>
-              <a:t>hilight.kapook.com</a:t>
-            </a:r>
-            <a:r>
-              <a:rPr lang="en-US" sz="1700" dirty="0"/>
-              <a:t>/view/85839 </a:t>
-            </a:r>
-            <a:br>
-              <a:rPr lang="en-US" sz="1700" dirty="0"/>
-            </a:br>
-            <a:br>
-              <a:rPr lang="en-US" sz="1700" dirty="0"/>
-            </a:br>
-            <a:r>
-              <a:rPr lang="en-US" sz="1700" dirty="0"/>
-              <a:t>Is Sign Language International?. (2019).     </a:t>
-            </a:r>
-            <a:br>
-              <a:rPr lang="en-US" sz="1700" dirty="0"/>
-            </a:br>
-            <a:r>
-              <a:rPr lang="en-US" sz="1700" dirty="0"/>
-              <a:t> Retrieved from http://</a:t>
-            </a:r>
-            <a:r>
-              <a:rPr lang="en-US" sz="1700" dirty="0" err="1"/>
-              <a:t>www.signwriting.org</a:t>
-            </a:r>
-            <a:r>
-              <a:rPr lang="en-US" sz="1700" dirty="0"/>
-              <a:t>/about/questions/quest0001.html </a:t>
-            </a:r>
-            <a:br>
-              <a:rPr lang="en-US" sz="1700" dirty="0"/>
-            </a:br>
-            <a:br>
-              <a:rPr lang="en-US" sz="1700" dirty="0"/>
-            </a:br>
-            <a:r>
-              <a:rPr lang="en-US" sz="1700" dirty="0"/>
-              <a:t>Making Amazon Alexa respond to Sign Language using AI. (2019). 	</a:t>
-            </a:r>
-            <a:br>
-              <a:rPr lang="en-US" sz="1700" dirty="0"/>
-            </a:br>
-            <a:r>
-              <a:rPr lang="en-US" sz="1700" dirty="0"/>
-              <a:t>  Retrieved from https://www.youtube.com/watch?v=</a:t>
-            </a:r>
-            <a:r>
-              <a:rPr lang="en-US" sz="1700" dirty="0" err="1"/>
-              <a:t>kS53y6GWm0w</a:t>
-            </a:r>
-            <a:endParaRPr lang="th-TH" sz="1700" dirty="0"/>
-          </a:p>
-        </p:txBody>
-      </p:sp>
-      <p:sp>
-        <p:nvSpPr>
           <p:cNvPr id="171" name="Google Shape;171;p23"/>
           <p:cNvSpPr txBox="1">
             <a:spLocks noGrp="1"/>
@@ -4041,8 +4030,8 @@
         </p:nvSpPr>
         <p:spPr>
           <a:xfrm>
-            <a:off x="2541056" y="968832"/>
-            <a:ext cx="5110694" cy="430887"/>
+            <a:off x="3759910" y="196850"/>
+            <a:ext cx="5313752" cy="523220"/>
           </a:xfrm>
           <a:prstGeom prst="rect">
             <a:avLst/>
@@ -4060,7 +4049,7 @@
           <a:p>
             <a:pPr algn="l"/>
             <a:r>
-              <a:rPr lang="en-US" sz="2200" dirty="0">
+              <a:rPr lang="en-US" sz="2800" b="1" dirty="0">
                 <a:ln w="0"/>
                 <a:solidFill>
                   <a:schemeClr val="accent1"/>
@@ -4072,10 +4061,12 @@
                     </a:srgbClr>
                   </a:outerShdw>
                 </a:effectLst>
+                <a:latin typeface="Roboto Slab" panose="020B0604020202020204" charset="0"/>
+                <a:ea typeface="Roboto Slab" panose="020B0604020202020204" charset="0"/>
               </a:rPr>
               <a:t>Reference &amp; More Information</a:t>
             </a:r>
-            <a:endParaRPr lang="th-TH" sz="2200" dirty="0">
+            <a:endParaRPr lang="th-TH" sz="2800" b="1" dirty="0">
               <a:ln w="0"/>
               <a:solidFill>
                 <a:schemeClr val="accent1"/>
@@ -4087,7 +4078,247 @@
                   </a:srgbClr>
                 </a:outerShdw>
               </a:effectLst>
+              <a:latin typeface="Roboto Slab" panose="020B0604020202020204" charset="0"/>
+              <a:ea typeface="Roboto Slab" panose="020B0604020202020204" charset="0"/>
             </a:endParaRPr>
+          </a:p>
+        </p:txBody>
+      </p:sp>
+      <p:sp>
+        <p:nvSpPr>
+          <p:cNvPr id="6" name="TextBox 5">
+            <a:extLst>
+              <a:ext uri="{FF2B5EF4-FFF2-40B4-BE49-F238E27FC236}">
+                <a16:creationId xmlns:a16="http://schemas.microsoft.com/office/drawing/2014/main" id="{703C5FA6-26CD-45EE-BC7C-EBDA61A7506C}"/>
+              </a:ext>
+            </a:extLst>
+          </p:cNvPr>
+          <p:cNvSpPr txBox="1"/>
+          <p:nvPr/>
+        </p:nvSpPr>
+        <p:spPr>
+          <a:xfrm>
+            <a:off x="1121664" y="994926"/>
+            <a:ext cx="7107936" cy="3754874"/>
+          </a:xfrm>
+          <a:prstGeom prst="rect">
+            <a:avLst/>
+          </a:prstGeom>
+          <a:noFill/>
+        </p:spPr>
+        <p:txBody>
+          <a:bodyPr wrap="square" rtlCol="0">
+            <a:spAutoFit/>
+          </a:bodyPr>
+          <a:lstStyle/>
+          <a:p>
+            <a:r>
+              <a:rPr lang="en-US" sz="1700" b="1" dirty="0">
+                <a:solidFill>
+                  <a:schemeClr val="tx1"/>
+                </a:solidFill>
+                <a:latin typeface="Roboto Slab" panose="020B0604020202020204" charset="0"/>
+                <a:ea typeface="Roboto Slab" panose="020B0604020202020204" charset="0"/>
+              </a:rPr>
+              <a:t>Is Sign Language International?. (2019). </a:t>
+            </a:r>
+          </a:p>
+          <a:p>
+            <a:r>
+              <a:rPr lang="en-US" sz="1700" b="1" dirty="0">
+                <a:solidFill>
+                  <a:schemeClr val="tx1"/>
+                </a:solidFill>
+                <a:latin typeface="Roboto Slab" panose="020B0604020202020204" charset="0"/>
+                <a:ea typeface="Roboto Slab" panose="020B0604020202020204" charset="0"/>
+              </a:rPr>
+              <a:t>	Retrieved from http://www.signwriting.org/about/</a:t>
+            </a:r>
+          </a:p>
+          <a:p>
+            <a:r>
+              <a:rPr lang="en-US" sz="1700" b="1" dirty="0">
+                <a:solidFill>
+                  <a:schemeClr val="tx1"/>
+                </a:solidFill>
+                <a:latin typeface="Roboto Slab" panose="020B0604020202020204" charset="0"/>
+                <a:ea typeface="Roboto Slab" panose="020B0604020202020204" charset="0"/>
+              </a:rPr>
+              <a:t>	questions/quest0001.html</a:t>
+            </a:r>
+          </a:p>
+          <a:p>
+            <a:endParaRPr lang="en-US" sz="1700" b="1" dirty="0">
+              <a:solidFill>
+                <a:schemeClr val="tx1"/>
+              </a:solidFill>
+              <a:latin typeface="Roboto Slab" panose="020B0604020202020204" charset="0"/>
+              <a:ea typeface="Roboto Slab" panose="020B0604020202020204" charset="0"/>
+            </a:endParaRPr>
+          </a:p>
+          <a:p>
+            <a:r>
+              <a:rPr lang="en-US" sz="1700" b="1" dirty="0">
+                <a:solidFill>
+                  <a:schemeClr val="tx1"/>
+                </a:solidFill>
+                <a:latin typeface="Roboto Slab" panose="020B0604020202020204" charset="0"/>
+                <a:ea typeface="Roboto Slab" panose="020B0604020202020204" charset="0"/>
+              </a:rPr>
+              <a:t>kapook.com. (2019). </a:t>
+            </a:r>
+            <a:r>
+              <a:rPr lang="th-TH" sz="1700" b="1" dirty="0">
+                <a:solidFill>
+                  <a:schemeClr val="tx1"/>
+                </a:solidFill>
+                <a:latin typeface="Roboto Slab" panose="020B0604020202020204" charset="0"/>
+                <a:ea typeface="Roboto Slab" panose="020B0604020202020204" charset="0"/>
+              </a:rPr>
+              <a:t>ภาษามือเบื้องต้น 20 ท่า สำหรับใช้ในชีวิตประจำว</a:t>
+            </a:r>
+            <a:r>
+              <a:rPr lang="en-US" sz="1700" b="1" dirty="0">
+                <a:solidFill>
+                  <a:schemeClr val="tx1"/>
+                </a:solidFill>
+                <a:latin typeface="Roboto Slab" panose="020B0604020202020204" charset="0"/>
+                <a:ea typeface="Roboto Slab" panose="020B0604020202020204" charset="0"/>
+              </a:rPr>
+              <a:t>	Retrieved from https://hilight.kapook.com/view/85839</a:t>
+            </a:r>
+            <a:br>
+              <a:rPr lang="en-US" sz="1700" b="1" dirty="0">
+                <a:solidFill>
+                  <a:schemeClr val="tx1"/>
+                </a:solidFill>
+                <a:latin typeface="Roboto Slab" panose="020B0604020202020204" charset="0"/>
+                <a:ea typeface="Roboto Slab" panose="020B0604020202020204" charset="0"/>
+              </a:rPr>
+            </a:br>
+            <a:r>
+              <a:rPr lang="en-US" sz="1700" b="1" dirty="0">
+                <a:solidFill>
+                  <a:schemeClr val="tx1"/>
+                </a:solidFill>
+                <a:latin typeface="Roboto Slab" panose="020B0604020202020204" charset="0"/>
+                <a:ea typeface="Roboto Slab" panose="020B0604020202020204" charset="0"/>
+              </a:rPr>
+              <a:t> </a:t>
+            </a:r>
+            <a:br>
+              <a:rPr lang="en-US" sz="1700" b="1" dirty="0">
+                <a:solidFill>
+                  <a:schemeClr val="tx1"/>
+                </a:solidFill>
+                <a:latin typeface="Roboto Slab" panose="020B0604020202020204" charset="0"/>
+                <a:ea typeface="Roboto Slab" panose="020B0604020202020204" charset="0"/>
+              </a:rPr>
+            </a:br>
+            <a:r>
+              <a:rPr lang="en-US" sz="1700" b="1" dirty="0">
+                <a:solidFill>
+                  <a:schemeClr val="tx1"/>
+                </a:solidFill>
+                <a:latin typeface="Roboto Slab" panose="020B0604020202020204" charset="0"/>
+                <a:ea typeface="Roboto Slab" panose="020B0604020202020204" charset="0"/>
+              </a:rPr>
+              <a:t>Making Amazon Alexa respond to Sign Language using AI. (2019). </a:t>
+            </a:r>
+            <a:br>
+              <a:rPr lang="en-US" sz="1700" b="1" dirty="0">
+                <a:solidFill>
+                  <a:schemeClr val="tx1"/>
+                </a:solidFill>
+                <a:latin typeface="Roboto Slab" panose="020B0604020202020204" charset="0"/>
+                <a:ea typeface="Roboto Slab" panose="020B0604020202020204" charset="0"/>
+              </a:rPr>
+            </a:br>
+            <a:r>
+              <a:rPr lang="en-US" sz="1700" b="1" dirty="0">
+                <a:solidFill>
+                  <a:schemeClr val="tx1"/>
+                </a:solidFill>
+                <a:latin typeface="Roboto Slab" panose="020B0604020202020204" charset="0"/>
+                <a:ea typeface="Roboto Slab" panose="020B0604020202020204" charset="0"/>
+              </a:rPr>
+              <a:t>  	Retrieved from https://www.youtube.com/watch?v=</a:t>
+            </a:r>
+          </a:p>
+          <a:p>
+            <a:r>
+              <a:rPr lang="en-US" sz="1700" b="1" dirty="0">
+                <a:solidFill>
+                  <a:schemeClr val="tx1"/>
+                </a:solidFill>
+                <a:latin typeface="Roboto Slab" panose="020B0604020202020204" charset="0"/>
+                <a:ea typeface="Roboto Slab" panose="020B0604020202020204" charset="0"/>
+              </a:rPr>
+              <a:t>	kS53y6GWm0w</a:t>
+            </a:r>
+            <a:br>
+              <a:rPr lang="en-US" sz="1700" b="1" dirty="0">
+                <a:solidFill>
+                  <a:schemeClr val="tx1"/>
+                </a:solidFill>
+                <a:latin typeface="Roboto Slab" panose="020B0604020202020204" charset="0"/>
+                <a:ea typeface="Roboto Slab" panose="020B0604020202020204" charset="0"/>
+              </a:rPr>
+            </a:br>
+            <a:br>
+              <a:rPr lang="en-US" sz="1700" b="1" dirty="0">
+                <a:solidFill>
+                  <a:schemeClr val="tx1"/>
+                </a:solidFill>
+                <a:latin typeface="Roboto Slab" panose="020B0604020202020204" charset="0"/>
+                <a:ea typeface="Roboto Slab" panose="020B0604020202020204" charset="0"/>
+              </a:rPr>
+            </a:br>
+            <a:r>
+              <a:rPr lang="en-US" sz="1700" b="1" dirty="0">
+                <a:solidFill>
+                  <a:schemeClr val="tx1"/>
+                </a:solidFill>
+                <a:latin typeface="Roboto Slab" panose="020B0604020202020204" charset="0"/>
+                <a:ea typeface="Roboto Slab" panose="020B0604020202020204" charset="0"/>
+              </a:rPr>
+              <a:t>ml5.js: Transfer Learning with Feature Extractor. (2018).</a:t>
+            </a:r>
+            <a:br>
+              <a:rPr lang="en-US" sz="1700" b="1" dirty="0">
+                <a:solidFill>
+                  <a:schemeClr val="tx1"/>
+                </a:solidFill>
+                <a:latin typeface="Roboto Slab" panose="020B0604020202020204" charset="0"/>
+                <a:ea typeface="Roboto Slab" panose="020B0604020202020204" charset="0"/>
+              </a:rPr>
+            </a:br>
+            <a:r>
+              <a:rPr lang="en-US" sz="1700" b="1" dirty="0">
+                <a:solidFill>
+                  <a:schemeClr val="tx1"/>
+                </a:solidFill>
+                <a:latin typeface="Roboto Slab" panose="020B0604020202020204" charset="0"/>
+                <a:ea typeface="Roboto Slab" panose="020B0604020202020204" charset="0"/>
+              </a:rPr>
+              <a:t>	Retrieved from </a:t>
+            </a:r>
+            <a:r>
+              <a:rPr lang="en-US" sz="1700" b="1" dirty="0">
+                <a:latin typeface="Roboto Slab" panose="020B0604020202020204" charset="0"/>
+                <a:ea typeface="Roboto Slab" panose="020B0604020202020204" charset="0"/>
+              </a:rPr>
+              <a:t>https://www.youtube.com/watch?v=</a:t>
+            </a:r>
+          </a:p>
+          <a:p>
+            <a:r>
+              <a:rPr lang="en-US" sz="1700" b="1" dirty="0">
+                <a:latin typeface="Roboto Slab" panose="020B0604020202020204" charset="0"/>
+                <a:ea typeface="Roboto Slab" panose="020B0604020202020204" charset="0"/>
+              </a:rPr>
+              <a:t>	kRpZ5OqUY6Y</a:t>
+            </a:r>
           </a:p>
         </p:txBody>
       </p:sp>
@@ -5412,12 +5643,52 @@
         </p:blipFill>
         <p:spPr>
           <a:xfrm>
-            <a:off x="1195617" y="759435"/>
-            <a:ext cx="6225939" cy="3844315"/>
+            <a:off x="3165658" y="1975872"/>
+            <a:ext cx="2285858" cy="1411442"/>
           </a:xfrm>
           <a:prstGeom prst="rect">
             <a:avLst/>
           </a:prstGeom>
+        </p:spPr>
+      </p:pic>
+      <p:pic>
+        <p:nvPicPr>
+          <p:cNvPr id="9" name="Picture 8" descr="A screenshot of a cell phone&#10;&#10;Description automatically generated">
+            <a:extLst>
+              <a:ext uri="{FF2B5EF4-FFF2-40B4-BE49-F238E27FC236}">
+                <a16:creationId xmlns:a16="http://schemas.microsoft.com/office/drawing/2014/main" id="{62BB95F5-D323-4AE9-B65C-1B48F57B2C4E}"/>
+              </a:ext>
+            </a:extLst>
+          </p:cNvPr>
+          <p:cNvPicPr>
+            <a:picLocks noChangeAspect="1"/>
+          </p:cNvPicPr>
+          <p:nvPr/>
+        </p:nvPicPr>
+        <p:blipFill>
+          <a:blip r:embed="rId3"/>
+          <a:stretch>
+            <a:fillRect/>
+          </a:stretch>
+        </p:blipFill>
+        <p:spPr>
+          <a:xfrm>
+            <a:off x="1308183" y="1411165"/>
+            <a:ext cx="6527634" cy="2321170"/>
+          </a:xfrm>
+          <a:prstGeom prst="rect">
+            <a:avLst/>
+          </a:prstGeom>
+          <a:ln>
+            <a:noFill/>
+          </a:ln>
+          <a:effectLst>
+            <a:outerShdw blurRad="190500" algn="tl" rotWithShape="0">
+              <a:srgbClr val="000000">
+                <a:alpha val="70000"/>
+              </a:srgbClr>
+            </a:outerShdw>
+          </a:effectLst>
         </p:spPr>
       </p:pic>
     </p:spTree>
@@ -7519,8 +7790,8 @@
         </p:nvSpPr>
         <p:spPr>
           <a:xfrm>
-            <a:off x="348342" y="217715"/>
-            <a:ext cx="4862285" cy="890231"/>
+            <a:off x="309976" y="230199"/>
+            <a:ext cx="4862285" cy="775436"/>
           </a:xfrm>
           <a:prstGeom prst="rect">
             <a:avLst/>
